--- a/Дипломная работа/Консультации Хоменко/Презентация v4.0.pptx
+++ b/Дипломная работа/Консультации Хоменко/Презентация v4.0.pptx
@@ -16876,7 +16876,7 @@
 </file>
 
 <file path=ppt/slides/slide3.xml><?xml version="1.0" encoding="utf-8"?>
-<p:sld xmlns:a="http://schemas.openxmlformats.org/drawingml/2006/main" xmlns:r="http://schemas.openxmlformats.org/officeDocument/2006/relationships" xmlns:p="http://schemas.openxmlformats.org/presentationml/2006/main">
+<p:sld xmlns:a="http://schemas.openxmlformats.org/drawingml/2006/main" xmlns:r="http://schemas.openxmlformats.org/officeDocument/2006/relationships" xmlns:p="http://schemas.openxmlformats.org/presentationml/2006/main" show="0">
   <p:cSld>
     <p:spTree>
       <p:nvGrpSpPr>
@@ -19294,13 +19294,13 @@
   <p:clrMapOvr>
     <a:masterClrMapping/>
   </p:clrMapOvr>
-  <mc:AlternateContent xmlns:mc="http://schemas.openxmlformats.org/markup-compatibility/2006" xmlns:p14="http://schemas.microsoft.com/office/powerpoint/2010/main">
-    <mc:Choice Requires="p14">
+  <mc:AlternateContent xmlns:mc="http://schemas.openxmlformats.org/markup-compatibility/2006">
+    <mc:Choice xmlns:p14="http://schemas.microsoft.com/office/powerpoint/2010/main" Requires="p14">
       <p:transition spd="med" p14:dur="700">
         <p:fade/>
       </p:transition>
     </mc:Choice>
-    <mc:Fallback xmlns="">
+    <mc:Fallback>
       <p:transition spd="med">
         <p:fade/>
       </p:transition>
@@ -22471,7 +22471,7 @@
         </p:nvSpPr>
         <p:spPr>
           <a:xfrm>
-            <a:off x="676616" y="647865"/>
+            <a:off x="754361" y="647865"/>
             <a:ext cx="10579276" cy="6008677"/>
           </a:xfrm>
           <a:prstGeom prst="roundRect">
@@ -24688,185 +24688,6 @@
       </p:grpSpPr>
       <p:sp>
         <p:nvSpPr>
-          <p:cNvPr id="5" name="Заголовок 1">
-            <a:extLst>
-              <a:ext uri="{FF2B5EF4-FFF2-40B4-BE49-F238E27FC236}">
-                <a16:creationId xmlns:a16="http://schemas.microsoft.com/office/drawing/2014/main" id="{981BBD7F-12EA-7D54-5A6A-5FE9B94AADC5}"/>
-              </a:ext>
-            </a:extLst>
-          </p:cNvPr>
-          <p:cNvSpPr>
-            <a:spLocks noGrp="1"/>
-          </p:cNvSpPr>
-          <p:nvPr>
-            <p:ph type="title"/>
-          </p:nvPr>
-        </p:nvSpPr>
-        <p:spPr>
-          <a:xfrm>
-            <a:off x="0" y="-8717"/>
-            <a:ext cx="12192000" cy="568855"/>
-          </a:xfrm>
-        </p:spPr>
-        <p:txBody>
-          <a:bodyPr>
-            <a:normAutofit fontScale="90000"/>
-          </a:bodyPr>
-          <a:lstStyle/>
-          <a:p>
-            <a:pPr algn="ctr"/>
-            <a:r>
-              <a:rPr lang="ru-RU" dirty="0">
-                <a:latin typeface="Times New Roman" panose="02020603050405020304" pitchFamily="18" charset="0"/>
-                <a:cs typeface="Times New Roman" panose="02020603050405020304" pitchFamily="18" charset="0"/>
-              </a:rPr>
-              <a:t>ПРОЦЕСС «КАК Будет»</a:t>
-            </a:r>
-          </a:p>
-        </p:txBody>
-      </p:sp>
-      <p:sp>
-        <p:nvSpPr>
-          <p:cNvPr id="105" name="Номер слайда 4">
-            <a:extLst>
-              <a:ext uri="{FF2B5EF4-FFF2-40B4-BE49-F238E27FC236}">
-                <a16:creationId xmlns:a16="http://schemas.microsoft.com/office/drawing/2014/main" id="{8E0E568B-D2C1-66EB-705C-6A359FB63ECA}"/>
-              </a:ext>
-            </a:extLst>
-          </p:cNvPr>
-          <p:cNvSpPr txBox="1">
-            <a:spLocks/>
-          </p:cNvSpPr>
-          <p:nvPr/>
-        </p:nvSpPr>
-        <p:spPr>
-          <a:xfrm>
-            <a:off x="11171852" y="0"/>
-            <a:ext cx="1020148" cy="658368"/>
-          </a:xfrm>
-          <a:prstGeom prst="rect">
-            <a:avLst/>
-          </a:prstGeom>
-        </p:spPr>
-        <p:txBody>
-          <a:bodyPr vert="horz" lIns="91440" tIns="45720" rIns="91440" bIns="45720" rtlCol="0" anchor="ctr"/>
-          <a:lstStyle>
-            <a:defPPr>
-              <a:defRPr lang="en-US"/>
-            </a:defPPr>
-            <a:lvl1pPr marL="0" algn="r" defTabSz="457200" rtl="0" eaLnBrk="1" latinLnBrk="0" hangingPunct="1">
-              <a:defRPr sz="1000" b="0" i="0" kern="1200">
-                <a:solidFill>
-                  <a:schemeClr val="tx1"/>
-                </a:solidFill>
-                <a:effectLst/>
-                <a:latin typeface="+mn-lt"/>
-                <a:ea typeface="+mn-ea"/>
-                <a:cs typeface="+mn-cs"/>
-              </a:defRPr>
-            </a:lvl1pPr>
-            <a:lvl2pPr marL="457200" algn="l" defTabSz="457200" rtl="0" eaLnBrk="1" latinLnBrk="0" hangingPunct="1">
-              <a:defRPr sz="1800" kern="1200">
-                <a:solidFill>
-                  <a:schemeClr val="tx1"/>
-                </a:solidFill>
-                <a:latin typeface="+mn-lt"/>
-                <a:ea typeface="+mn-ea"/>
-                <a:cs typeface="+mn-cs"/>
-              </a:defRPr>
-            </a:lvl2pPr>
-            <a:lvl3pPr marL="914400" algn="l" defTabSz="457200" rtl="0" eaLnBrk="1" latinLnBrk="0" hangingPunct="1">
-              <a:defRPr sz="1800" kern="1200">
-                <a:solidFill>
-                  <a:schemeClr val="tx1"/>
-                </a:solidFill>
-                <a:latin typeface="+mn-lt"/>
-                <a:ea typeface="+mn-ea"/>
-                <a:cs typeface="+mn-cs"/>
-              </a:defRPr>
-            </a:lvl3pPr>
-            <a:lvl4pPr marL="1371600" algn="l" defTabSz="457200" rtl="0" eaLnBrk="1" latinLnBrk="0" hangingPunct="1">
-              <a:defRPr sz="1800" kern="1200">
-                <a:solidFill>
-                  <a:schemeClr val="tx1"/>
-                </a:solidFill>
-                <a:latin typeface="+mn-lt"/>
-                <a:ea typeface="+mn-ea"/>
-                <a:cs typeface="+mn-cs"/>
-              </a:defRPr>
-            </a:lvl4pPr>
-            <a:lvl5pPr marL="1828800" algn="l" defTabSz="457200" rtl="0" eaLnBrk="1" latinLnBrk="0" hangingPunct="1">
-              <a:defRPr sz="1800" kern="1200">
-                <a:solidFill>
-                  <a:schemeClr val="tx1"/>
-                </a:solidFill>
-                <a:latin typeface="+mn-lt"/>
-                <a:ea typeface="+mn-ea"/>
-                <a:cs typeface="+mn-cs"/>
-              </a:defRPr>
-            </a:lvl5pPr>
-            <a:lvl6pPr marL="2286000" algn="l" defTabSz="457200" rtl="0" eaLnBrk="1" latinLnBrk="0" hangingPunct="1">
-              <a:defRPr sz="1800" kern="1200">
-                <a:solidFill>
-                  <a:schemeClr val="tx1"/>
-                </a:solidFill>
-                <a:latin typeface="+mn-lt"/>
-                <a:ea typeface="+mn-ea"/>
-                <a:cs typeface="+mn-cs"/>
-              </a:defRPr>
-            </a:lvl6pPr>
-            <a:lvl7pPr marL="2743200" algn="l" defTabSz="457200" rtl="0" eaLnBrk="1" latinLnBrk="0" hangingPunct="1">
-              <a:defRPr sz="1800" kern="1200">
-                <a:solidFill>
-                  <a:schemeClr val="tx1"/>
-                </a:solidFill>
-                <a:latin typeface="+mn-lt"/>
-                <a:ea typeface="+mn-ea"/>
-                <a:cs typeface="+mn-cs"/>
-              </a:defRPr>
-            </a:lvl7pPr>
-            <a:lvl8pPr marL="3200400" algn="l" defTabSz="457200" rtl="0" eaLnBrk="1" latinLnBrk="0" hangingPunct="1">
-              <a:defRPr sz="1800" kern="1200">
-                <a:solidFill>
-                  <a:schemeClr val="tx1"/>
-                </a:solidFill>
-                <a:latin typeface="+mn-lt"/>
-                <a:ea typeface="+mn-ea"/>
-                <a:cs typeface="+mn-cs"/>
-              </a:defRPr>
-            </a:lvl8pPr>
-            <a:lvl9pPr marL="3657600" algn="l" defTabSz="457200" rtl="0" eaLnBrk="1" latinLnBrk="0" hangingPunct="1">
-              <a:defRPr sz="1800" kern="1200">
-                <a:solidFill>
-                  <a:schemeClr val="tx1"/>
-                </a:solidFill>
-                <a:latin typeface="+mn-lt"/>
-                <a:ea typeface="+mn-ea"/>
-                <a:cs typeface="+mn-cs"/>
-              </a:defRPr>
-            </a:lvl9pPr>
-          </a:lstStyle>
-          <a:p>
-            <a:pPr algn="ctr"/>
-            <a:fld id="{E674C0A0-8DE9-4942-9F1B-2332F349D007}" type="slidenum">
-              <a:rPr lang="ru-RU" sz="2200" smtClean="0">
-                <a:latin typeface="Tahoma" panose="020B0604030504040204" pitchFamily="34" charset="0"/>
-                <a:ea typeface="Tahoma" panose="020B0604030504040204" pitchFamily="34" charset="0"/>
-                <a:cs typeface="Tahoma" panose="020B0604030504040204" pitchFamily="34" charset="0"/>
-              </a:rPr>
-              <a:pPr algn="ctr"/>
-              <a:t>6</a:t>
-            </a:fld>
-            <a:endParaRPr lang="ru-RU" sz="2200" dirty="0">
-              <a:latin typeface="Tahoma" panose="020B0604030504040204" pitchFamily="34" charset="0"/>
-              <a:ea typeface="Tahoma" panose="020B0604030504040204" pitchFamily="34" charset="0"/>
-              <a:cs typeface="Tahoma" panose="020B0604030504040204" pitchFamily="34" charset="0"/>
-            </a:endParaRPr>
-          </a:p>
-        </p:txBody>
-      </p:sp>
-      <p:sp>
-        <p:nvSpPr>
           <p:cNvPr id="3" name="Прямоугольник 2">
             <a:extLst>
               <a:ext uri="{FF2B5EF4-FFF2-40B4-BE49-F238E27FC236}">
@@ -24916,6 +24737,227 @@
           <a:p>
             <a:pPr algn="ctr"/>
             <a:endParaRPr lang="ru-RU"/>
+          </a:p>
+        </p:txBody>
+      </p:sp>
+      <p:sp>
+        <p:nvSpPr>
+          <p:cNvPr id="2" name="TextBox 1">
+            <a:extLst>
+              <a:ext uri="{FF2B5EF4-FFF2-40B4-BE49-F238E27FC236}">
+                <a16:creationId xmlns:a16="http://schemas.microsoft.com/office/drawing/2014/main" id="{92513492-F353-4B9B-95C4-0A2A0B3C6D5E}"/>
+              </a:ext>
+            </a:extLst>
+          </p:cNvPr>
+          <p:cNvSpPr txBox="1"/>
+          <p:nvPr/>
+        </p:nvSpPr>
+        <p:spPr>
+          <a:xfrm>
+            <a:off x="6129427" y="2219298"/>
+            <a:ext cx="3887478" cy="461665"/>
+          </a:xfrm>
+          <a:prstGeom prst="rect">
+            <a:avLst/>
+          </a:prstGeom>
+          <a:noFill/>
+        </p:spPr>
+        <p:txBody>
+          <a:bodyPr wrap="square" rtlCol="0">
+            <a:spAutoFit/>
+          </a:bodyPr>
+          <a:lstStyle/>
+          <a:p>
+            <a:r>
+              <a:rPr lang="ru-RU" sz="2400" dirty="0">
+                <a:solidFill>
+                  <a:srgbClr val="00B050"/>
+                </a:solidFill>
+                <a:latin typeface="Tahoma" panose="020B0604030504040204" pitchFamily="34" charset="0"/>
+                <a:ea typeface="Tahoma" panose="020B0604030504040204" pitchFamily="34" charset="0"/>
+                <a:cs typeface="Tahoma" panose="020B0604030504040204" pitchFamily="34" charset="0"/>
+              </a:rPr>
+              <a:t>АВТОМАТИЗИРОВАНО</a:t>
+            </a:r>
+          </a:p>
+        </p:txBody>
+      </p:sp>
+      <p:sp>
+        <p:nvSpPr>
+          <p:cNvPr id="5" name="Заголовок 1">
+            <a:extLst>
+              <a:ext uri="{FF2B5EF4-FFF2-40B4-BE49-F238E27FC236}">
+                <a16:creationId xmlns:a16="http://schemas.microsoft.com/office/drawing/2014/main" id="{981BBD7F-12EA-7D54-5A6A-5FE9B94AADC5}"/>
+              </a:ext>
+            </a:extLst>
+          </p:cNvPr>
+          <p:cNvSpPr>
+            <a:spLocks noGrp="1"/>
+          </p:cNvSpPr>
+          <p:nvPr>
+            <p:ph type="title"/>
+          </p:nvPr>
+        </p:nvSpPr>
+        <p:spPr>
+          <a:xfrm>
+            <a:off x="0" y="-8717"/>
+            <a:ext cx="12192000" cy="568855"/>
+          </a:xfrm>
+        </p:spPr>
+        <p:txBody>
+          <a:bodyPr>
+            <a:normAutofit fontScale="90000"/>
+          </a:bodyPr>
+          <a:lstStyle/>
+          <a:p>
+            <a:pPr algn="ctr"/>
+            <a:r>
+              <a:rPr lang="ru-RU" dirty="0">
+                <a:latin typeface="Times New Roman" panose="02020603050405020304" pitchFamily="18" charset="0"/>
+                <a:cs typeface="Times New Roman" panose="02020603050405020304" pitchFamily="18" charset="0"/>
+              </a:rPr>
+              <a:t>ПРОЦЕСС «КАК Будет»</a:t>
+            </a:r>
+          </a:p>
+        </p:txBody>
+      </p:sp>
+      <p:sp>
+        <p:nvSpPr>
+          <p:cNvPr id="105" name="Номер слайда 4">
+            <a:extLst>
+              <a:ext uri="{FF2B5EF4-FFF2-40B4-BE49-F238E27FC236}">
+                <a16:creationId xmlns:a16="http://schemas.microsoft.com/office/drawing/2014/main" id="{8E0E568B-D2C1-66EB-705C-6A359FB63ECA}"/>
+              </a:ext>
+            </a:extLst>
+          </p:cNvPr>
+          <p:cNvSpPr txBox="1">
+            <a:spLocks/>
+          </p:cNvSpPr>
+          <p:nvPr/>
+        </p:nvSpPr>
+        <p:spPr>
+          <a:xfrm>
+            <a:off x="11171852" y="0"/>
+            <a:ext cx="1020148" cy="658368"/>
+          </a:xfrm>
+          <a:prstGeom prst="rect">
+            <a:avLst/>
+          </a:prstGeom>
+        </p:spPr>
+        <p:txBody>
+          <a:bodyPr vert="horz" lIns="91440" tIns="45720" rIns="91440" bIns="45720" rtlCol="0" anchor="ctr"/>
+          <a:lstStyle>
+            <a:defPPr>
+              <a:defRPr lang="en-US"/>
+            </a:defPPr>
+            <a:lvl1pPr marL="0" algn="r" defTabSz="457200" rtl="0" eaLnBrk="1" latinLnBrk="0" hangingPunct="1">
+              <a:defRPr sz="1000" b="0" i="0" kern="1200">
+                <a:solidFill>
+                  <a:schemeClr val="tx1"/>
+                </a:solidFill>
+                <a:effectLst/>
+                <a:latin typeface="+mn-lt"/>
+                <a:ea typeface="+mn-ea"/>
+                <a:cs typeface="+mn-cs"/>
+              </a:defRPr>
+            </a:lvl1pPr>
+            <a:lvl2pPr marL="457200" algn="l" defTabSz="457200" rtl="0" eaLnBrk="1" latinLnBrk="0" hangingPunct="1">
+              <a:defRPr sz="1800" kern="1200">
+                <a:solidFill>
+                  <a:schemeClr val="tx1"/>
+                </a:solidFill>
+                <a:latin typeface="+mn-lt"/>
+                <a:ea typeface="+mn-ea"/>
+                <a:cs typeface="+mn-cs"/>
+              </a:defRPr>
+            </a:lvl2pPr>
+            <a:lvl3pPr marL="914400" algn="l" defTabSz="457200" rtl="0" eaLnBrk="1" latinLnBrk="0" hangingPunct="1">
+              <a:defRPr sz="1800" kern="1200">
+                <a:solidFill>
+                  <a:schemeClr val="tx1"/>
+                </a:solidFill>
+                <a:latin typeface="+mn-lt"/>
+                <a:ea typeface="+mn-ea"/>
+                <a:cs typeface="+mn-cs"/>
+              </a:defRPr>
+            </a:lvl3pPr>
+            <a:lvl4pPr marL="1371600" algn="l" defTabSz="457200" rtl="0" eaLnBrk="1" latinLnBrk="0" hangingPunct="1">
+              <a:defRPr sz="1800" kern="1200">
+                <a:solidFill>
+                  <a:schemeClr val="tx1"/>
+                </a:solidFill>
+                <a:latin typeface="+mn-lt"/>
+                <a:ea typeface="+mn-ea"/>
+                <a:cs typeface="+mn-cs"/>
+              </a:defRPr>
+            </a:lvl4pPr>
+            <a:lvl5pPr marL="1828800" algn="l" defTabSz="457200" rtl="0" eaLnBrk="1" latinLnBrk="0" hangingPunct="1">
+              <a:defRPr sz="1800" kern="1200">
+                <a:solidFill>
+                  <a:schemeClr val="tx1"/>
+                </a:solidFill>
+                <a:latin typeface="+mn-lt"/>
+                <a:ea typeface="+mn-ea"/>
+                <a:cs typeface="+mn-cs"/>
+              </a:defRPr>
+            </a:lvl5pPr>
+            <a:lvl6pPr marL="2286000" algn="l" defTabSz="457200" rtl="0" eaLnBrk="1" latinLnBrk="0" hangingPunct="1">
+              <a:defRPr sz="1800" kern="1200">
+                <a:solidFill>
+                  <a:schemeClr val="tx1"/>
+                </a:solidFill>
+                <a:latin typeface="+mn-lt"/>
+                <a:ea typeface="+mn-ea"/>
+                <a:cs typeface="+mn-cs"/>
+              </a:defRPr>
+            </a:lvl6pPr>
+            <a:lvl7pPr marL="2743200" algn="l" defTabSz="457200" rtl="0" eaLnBrk="1" latinLnBrk="0" hangingPunct="1">
+              <a:defRPr sz="1800" kern="1200">
+                <a:solidFill>
+                  <a:schemeClr val="tx1"/>
+                </a:solidFill>
+                <a:latin typeface="+mn-lt"/>
+                <a:ea typeface="+mn-ea"/>
+                <a:cs typeface="+mn-cs"/>
+              </a:defRPr>
+            </a:lvl7pPr>
+            <a:lvl8pPr marL="3200400" algn="l" defTabSz="457200" rtl="0" eaLnBrk="1" latinLnBrk="0" hangingPunct="1">
+              <a:defRPr sz="1800" kern="1200">
+                <a:solidFill>
+                  <a:schemeClr val="tx1"/>
+                </a:solidFill>
+                <a:latin typeface="+mn-lt"/>
+                <a:ea typeface="+mn-ea"/>
+                <a:cs typeface="+mn-cs"/>
+              </a:defRPr>
+            </a:lvl8pPr>
+            <a:lvl9pPr marL="3657600" algn="l" defTabSz="457200" rtl="0" eaLnBrk="1" latinLnBrk="0" hangingPunct="1">
+              <a:defRPr sz="1800" kern="1200">
+                <a:solidFill>
+                  <a:schemeClr val="tx1"/>
+                </a:solidFill>
+                <a:latin typeface="+mn-lt"/>
+                <a:ea typeface="+mn-ea"/>
+                <a:cs typeface="+mn-cs"/>
+              </a:defRPr>
+            </a:lvl9pPr>
+          </a:lstStyle>
+          <a:p>
+            <a:pPr algn="ctr"/>
+            <a:fld id="{E674C0A0-8DE9-4942-9F1B-2332F349D007}" type="slidenum">
+              <a:rPr lang="ru-RU" sz="2200" smtClean="0">
+                <a:latin typeface="Tahoma" panose="020B0604030504040204" pitchFamily="34" charset="0"/>
+                <a:ea typeface="Tahoma" panose="020B0604030504040204" pitchFamily="34" charset="0"/>
+                <a:cs typeface="Tahoma" panose="020B0604030504040204" pitchFamily="34" charset="0"/>
+              </a:rPr>
+              <a:pPr algn="ctr"/>
+              <a:t>6</a:t>
+            </a:fld>
+            <a:endParaRPr lang="ru-RU" sz="2200" dirty="0">
+              <a:latin typeface="Tahoma" panose="020B0604030504040204" pitchFamily="34" charset="0"/>
+              <a:ea typeface="Tahoma" panose="020B0604030504040204" pitchFamily="34" charset="0"/>
+              <a:cs typeface="Tahoma" panose="020B0604030504040204" pitchFamily="34" charset="0"/>
+            </a:endParaRPr>
           </a:p>
         </p:txBody>
       </p:sp>
@@ -25457,8 +25499,8 @@
         </p:nvSpPr>
         <p:spPr>
           <a:xfrm>
-            <a:off x="5172074" y="2828927"/>
-            <a:ext cx="5043489" cy="1314448"/>
+            <a:off x="5172074" y="2693778"/>
+            <a:ext cx="5043489" cy="1449597"/>
           </a:xfrm>
           <a:prstGeom prst="rect">
             <a:avLst/>
@@ -25489,11 +25531,10 @@
           </a:fontRef>
         </p:style>
         <p:txBody>
-          <a:bodyPr rtlCol="0" anchor="ctr"/>
+          <a:bodyPr rtlCol="0" anchor="t"/>
           <a:lstStyle/>
           <a:p>
-            <a:pPr algn="ctr"/>
-            <a:endParaRPr lang="ru-RU"/>
+            <a:endParaRPr lang="ru-RU" dirty="0"/>
           </a:p>
         </p:txBody>
       </p:sp>
@@ -25519,7 +25560,7 @@
         </p:blipFill>
         <p:spPr>
           <a:xfrm>
-            <a:off x="576928" y="1326521"/>
+            <a:off x="543501" y="1323076"/>
             <a:ext cx="11104998" cy="4191000"/>
           </a:xfrm>
           <a:prstGeom prst="rect">
